--- a/resources/新建 PPTX 演示文稿.pptx
+++ b/resources/新建 PPTX 演示文稿.pptx
@@ -2922,7 +2922,7 @@
         </p:nvSpPr>
         <p:spPr>
           <a:xfrm>
-            <a:off x="3598545" y="2313940"/>
+            <a:off x="4053840" y="1617345"/>
             <a:ext cx="2186940" cy="593090"/>
           </a:xfrm>
           <a:prstGeom prst="roundRect">
@@ -2963,6 +2963,61 @@
               <a:t>选择文件</a:t>
             </a:r>
             <a:endParaRPr lang="zh-CN" altLang="en-US" sz="2400">
+              <a:latin typeface="微软雅黑" panose="020B0503020204020204" charset="-122"/>
+              <a:ea typeface="微软雅黑" panose="020B0503020204020204" charset="-122"/>
+            </a:endParaRPr>
+          </a:p>
+        </p:txBody>
+      </p:sp>
+      <p:sp>
+        <p:nvSpPr>
+          <p:cNvPr id="2" name="圆角矩形 1"/>
+          <p:cNvSpPr/>
+          <p:nvPr/>
+        </p:nvSpPr>
+        <p:spPr>
+          <a:xfrm>
+            <a:off x="4661535" y="2732405"/>
+            <a:ext cx="2186940" cy="593090"/>
+          </a:xfrm>
+          <a:prstGeom prst="roundRect">
+            <a:avLst/>
+          </a:prstGeom>
+          <a:solidFill>
+            <a:schemeClr val="accent4"/>
+          </a:solidFill>
+          <a:ln>
+            <a:noFill/>
+          </a:ln>
+        </p:spPr>
+        <p:style>
+          <a:lnRef idx="2">
+            <a:schemeClr val="accent4">
+              <a:shade val="50000"/>
+            </a:schemeClr>
+          </a:lnRef>
+          <a:fillRef idx="1">
+            <a:schemeClr val="accent4"/>
+          </a:fillRef>
+          <a:effectRef idx="0">
+            <a:schemeClr val="accent4"/>
+          </a:effectRef>
+          <a:fontRef idx="minor">
+            <a:schemeClr val="lt1"/>
+          </a:fontRef>
+        </p:style>
+        <p:txBody>
+          <a:bodyPr rtlCol="0" anchor="ctr"/>
+          <a:p>
+            <a:pPr algn="ctr"/>
+            <a:r>
+              <a:rPr lang="zh-CN" altLang="en-US">
+                <a:latin typeface="微软雅黑" panose="020B0503020204020204" charset="-122"/>
+                <a:ea typeface="微软雅黑" panose="020B0503020204020204" charset="-122"/>
+              </a:rPr>
+              <a:t>打开当前播放队列</a:t>
+            </a:r>
+            <a:endParaRPr lang="zh-CN" altLang="en-US">
               <a:latin typeface="微软雅黑" panose="020B0503020204020204" charset="-122"/>
               <a:ea typeface="微软雅黑" panose="020B0503020204020204" charset="-122"/>
             </a:endParaRPr>
